--- a/Images/fig1_NetLogo_view.pptx
+++ b/Images/fig1_NetLogo_view.pptx
@@ -243,7 +243,7 @@
           <a:p>
             <a:fld id="{745B3AD2-2FE6-4349-82B3-F12B200FE701}" type="datetimeFigureOut">
               <a:rPr lang="en-US" smtClean="0"/>
-              <a:t>7/29/2021</a:t>
+              <a:t>9/18/2021</a:t>
             </a:fld>
             <a:endParaRPr lang="en-US"/>
           </a:p>
@@ -413,7 +413,7 @@
           <a:p>
             <a:fld id="{745B3AD2-2FE6-4349-82B3-F12B200FE701}" type="datetimeFigureOut">
               <a:rPr lang="en-US" smtClean="0"/>
-              <a:t>7/29/2021</a:t>
+              <a:t>9/18/2021</a:t>
             </a:fld>
             <a:endParaRPr lang="en-US"/>
           </a:p>
@@ -593,7 +593,7 @@
           <a:p>
             <a:fld id="{745B3AD2-2FE6-4349-82B3-F12B200FE701}" type="datetimeFigureOut">
               <a:rPr lang="en-US" smtClean="0"/>
-              <a:t>7/29/2021</a:t>
+              <a:t>9/18/2021</a:t>
             </a:fld>
             <a:endParaRPr lang="en-US"/>
           </a:p>
@@ -763,7 +763,7 @@
           <a:p>
             <a:fld id="{745B3AD2-2FE6-4349-82B3-F12B200FE701}" type="datetimeFigureOut">
               <a:rPr lang="en-US" smtClean="0"/>
-              <a:t>7/29/2021</a:t>
+              <a:t>9/18/2021</a:t>
             </a:fld>
             <a:endParaRPr lang="en-US"/>
           </a:p>
@@ -1007,7 +1007,7 @@
           <a:p>
             <a:fld id="{745B3AD2-2FE6-4349-82B3-F12B200FE701}" type="datetimeFigureOut">
               <a:rPr lang="en-US" smtClean="0"/>
-              <a:t>7/29/2021</a:t>
+              <a:t>9/18/2021</a:t>
             </a:fld>
             <a:endParaRPr lang="en-US"/>
           </a:p>
@@ -1239,7 +1239,7 @@
           <a:p>
             <a:fld id="{745B3AD2-2FE6-4349-82B3-F12B200FE701}" type="datetimeFigureOut">
               <a:rPr lang="en-US" smtClean="0"/>
-              <a:t>7/29/2021</a:t>
+              <a:t>9/18/2021</a:t>
             </a:fld>
             <a:endParaRPr lang="en-US"/>
           </a:p>
@@ -1606,7 +1606,7 @@
           <a:p>
             <a:fld id="{745B3AD2-2FE6-4349-82B3-F12B200FE701}" type="datetimeFigureOut">
               <a:rPr lang="en-US" smtClean="0"/>
-              <a:t>7/29/2021</a:t>
+              <a:t>9/18/2021</a:t>
             </a:fld>
             <a:endParaRPr lang="en-US"/>
           </a:p>
@@ -1724,7 +1724,7 @@
           <a:p>
             <a:fld id="{745B3AD2-2FE6-4349-82B3-F12B200FE701}" type="datetimeFigureOut">
               <a:rPr lang="en-US" smtClean="0"/>
-              <a:t>7/29/2021</a:t>
+              <a:t>9/18/2021</a:t>
             </a:fld>
             <a:endParaRPr lang="en-US"/>
           </a:p>
@@ -1819,7 +1819,7 @@
           <a:p>
             <a:fld id="{745B3AD2-2FE6-4349-82B3-F12B200FE701}" type="datetimeFigureOut">
               <a:rPr lang="en-US" smtClean="0"/>
-              <a:t>7/29/2021</a:t>
+              <a:t>9/18/2021</a:t>
             </a:fld>
             <a:endParaRPr lang="en-US"/>
           </a:p>
@@ -2096,7 +2096,7 @@
           <a:p>
             <a:fld id="{745B3AD2-2FE6-4349-82B3-F12B200FE701}" type="datetimeFigureOut">
               <a:rPr lang="en-US" smtClean="0"/>
-              <a:t>7/29/2021</a:t>
+              <a:t>9/18/2021</a:t>
             </a:fld>
             <a:endParaRPr lang="en-US"/>
           </a:p>
@@ -2353,7 +2353,7 @@
           <a:p>
             <a:fld id="{745B3AD2-2FE6-4349-82B3-F12B200FE701}" type="datetimeFigureOut">
               <a:rPr lang="en-US" smtClean="0"/>
-              <a:t>7/29/2021</a:t>
+              <a:t>9/18/2021</a:t>
             </a:fld>
             <a:endParaRPr lang="en-US"/>
           </a:p>
@@ -2566,7 +2566,7 @@
           <a:p>
             <a:fld id="{745B3AD2-2FE6-4349-82B3-F12B200FE701}" type="datetimeFigureOut">
               <a:rPr lang="en-US" smtClean="0"/>
-              <a:t>7/29/2021</a:t>
+              <a:t>9/18/2021</a:t>
             </a:fld>
             <a:endParaRPr lang="en-US"/>
           </a:p>
@@ -3111,7 +3111,7 @@
           <p:spPr>
             <a:xfrm>
               <a:off x="224590" y="310173"/>
-              <a:ext cx="466794" cy="769441"/>
+              <a:ext cx="591829" cy="769441"/>
             </a:xfrm>
             <a:prstGeom prst="rect">
               <a:avLst/>
@@ -3129,7 +3129,7 @@
                   <a:latin typeface="Times New Roman" panose="02020603050405020304" pitchFamily="18" charset="0"/>
                   <a:cs typeface="Times New Roman" panose="02020603050405020304" pitchFamily="18" charset="0"/>
                 </a:rPr>
-                <a:t>a</a:t>
+                <a:t>A</a:t>
               </a:r>
             </a:p>
           </p:txBody>
@@ -3208,7 +3208,7 @@
           <p:spPr>
             <a:xfrm>
               <a:off x="224590" y="310173"/>
-              <a:ext cx="434734" cy="769441"/>
+              <a:ext cx="591829" cy="769441"/>
             </a:xfrm>
             <a:prstGeom prst="rect">
               <a:avLst/>
@@ -3226,7 +3226,7 @@
                   <a:latin typeface="Times New Roman" panose="02020603050405020304" pitchFamily="18" charset="0"/>
                   <a:cs typeface="Times New Roman" panose="02020603050405020304" pitchFamily="18" charset="0"/>
                 </a:rPr>
-                <a:t>c</a:t>
+                <a:t>C</a:t>
               </a:r>
             </a:p>
           </p:txBody>
@@ -3305,7 +3305,7 @@
           <p:spPr>
             <a:xfrm>
               <a:off x="224590" y="310173"/>
-              <a:ext cx="434734" cy="769441"/>
+              <a:ext cx="561372" cy="769441"/>
             </a:xfrm>
             <a:prstGeom prst="rect">
               <a:avLst/>
@@ -3323,7 +3323,7 @@
                   <a:latin typeface="Times New Roman" panose="02020603050405020304" pitchFamily="18" charset="0"/>
                   <a:cs typeface="Times New Roman" panose="02020603050405020304" pitchFamily="18" charset="0"/>
                 </a:rPr>
-                <a:t>e</a:t>
+                <a:t>E</a:t>
               </a:r>
             </a:p>
           </p:txBody>
@@ -3487,7 +3487,7 @@
         <p:spPr>
           <a:xfrm>
             <a:off x="758" y="7384646"/>
-            <a:ext cx="498855" cy="769441"/>
+            <a:ext cx="561372" cy="769441"/>
           </a:xfrm>
           <a:prstGeom prst="rect">
             <a:avLst/>
@@ -3505,7 +3505,7 @@
                 <a:latin typeface="Times New Roman" panose="02020603050405020304" pitchFamily="18" charset="0"/>
                 <a:cs typeface="Times New Roman" panose="02020603050405020304" pitchFamily="18" charset="0"/>
               </a:rPr>
-              <a:t>b</a:t>
+              <a:t>B</a:t>
             </a:r>
           </a:p>
         </p:txBody>
@@ -3525,7 +3525,7 @@
         <p:spPr>
           <a:xfrm>
             <a:off x="6672971" y="7384646"/>
-            <a:ext cx="498855" cy="769441"/>
+            <a:ext cx="591829" cy="769441"/>
           </a:xfrm>
           <a:prstGeom prst="rect">
             <a:avLst/>
@@ -3543,7 +3543,7 @@
                 <a:latin typeface="Times New Roman" panose="02020603050405020304" pitchFamily="18" charset="0"/>
                 <a:cs typeface="Times New Roman" panose="02020603050405020304" pitchFamily="18" charset="0"/>
               </a:rPr>
-              <a:t>d</a:t>
+              <a:t>D</a:t>
             </a:r>
           </a:p>
         </p:txBody>
@@ -3563,7 +3563,7 @@
         <p:spPr>
           <a:xfrm>
             <a:off x="13523046" y="7384646"/>
-            <a:ext cx="372218" cy="769441"/>
+            <a:ext cx="529312" cy="769441"/>
           </a:xfrm>
           <a:prstGeom prst="rect">
             <a:avLst/>
@@ -3581,7 +3581,7 @@
                 <a:latin typeface="Times New Roman" panose="02020603050405020304" pitchFamily="18" charset="0"/>
                 <a:cs typeface="Times New Roman" panose="02020603050405020304" pitchFamily="18" charset="0"/>
               </a:rPr>
-              <a:t>f</a:t>
+              <a:t>F</a:t>
             </a:r>
           </a:p>
         </p:txBody>
